--- a/Day_3/Day_3.pptx
+++ b/Day_3/Day_3.pptx
@@ -559,7 +559,7 @@
           <a:noFill/>
           <a:extLst>
             <a:ext uri="{909E8E84-426E-40dd-AFC4-6F175D3DCCD1}">
-              <a14:hiddenFill xmlns="" xmlns:a14="http://schemas.microsoft.com/office/drawing/2010/main">
+              <a14:hiddenFill xmlns:a14="http://schemas.microsoft.com/office/drawing/2010/main" xmlns="">
                 <a:solidFill>
                   <a:srgbClr val="FFFFFF"/>
                 </a:solidFill>
@@ -619,7 +619,7 @@
             </a:ln>
             <a:extLst>
               <a:ext uri="{91240B29-F687-4f45-9708-019B960494DF}">
-                <a14:hiddenLine xmlns="" xmlns:a14="http://schemas.microsoft.com/office/drawing/2010/main" w="9525">
+                <a14:hiddenLine xmlns:a14="http://schemas.microsoft.com/office/drawing/2010/main" xmlns="" w="9525">
                   <a:solidFill>
                     <a:srgbClr val="000000"/>
                   </a:solidFill>
@@ -709,7 +709,7 @@
             </a:ln>
             <a:extLst>
               <a:ext uri="{91240B29-F687-4f45-9708-019B960494DF}">
-                <a14:hiddenLine xmlns="" xmlns:a14="http://schemas.microsoft.com/office/drawing/2010/main" w="9525">
+                <a14:hiddenLine xmlns:a14="http://schemas.microsoft.com/office/drawing/2010/main" xmlns="" w="9525">
                   <a:solidFill>
                     <a:srgbClr val="000000"/>
                   </a:solidFill>
@@ -799,7 +799,7 @@
             </a:ln>
             <a:extLst>
               <a:ext uri="{91240B29-F687-4f45-9708-019B960494DF}">
-                <a14:hiddenLine xmlns="" xmlns:a14="http://schemas.microsoft.com/office/drawing/2010/main" w="9525">
+                <a14:hiddenLine xmlns:a14="http://schemas.microsoft.com/office/drawing/2010/main" xmlns="" w="9525">
                   <a:solidFill>
                     <a:srgbClr val="000000"/>
                   </a:solidFill>
@@ -833,7 +833,7 @@
             </a:ln>
             <a:extLst>
               <a:ext uri="{91240B29-F687-4f45-9708-019B960494DF}">
-                <a14:hiddenLine xmlns="" xmlns:a14="http://schemas.microsoft.com/office/drawing/2010/main" w="9525">
+                <a14:hiddenLine xmlns:a14="http://schemas.microsoft.com/office/drawing/2010/main" xmlns="" w="9525">
                   <a:solidFill>
                     <a:srgbClr val="000000"/>
                   </a:solidFill>
@@ -923,7 +923,7 @@
             </a:ln>
             <a:extLst>
               <a:ext uri="{91240B29-F687-4f45-9708-019B960494DF}">
-                <a14:hiddenLine xmlns="" xmlns:a14="http://schemas.microsoft.com/office/drawing/2010/main" w="9525">
+                <a14:hiddenLine xmlns:a14="http://schemas.microsoft.com/office/drawing/2010/main" xmlns="" w="9525">
                   <a:solidFill>
                     <a:srgbClr val="000000"/>
                   </a:solidFill>
@@ -985,7 +985,7 @@
             </a:ln>
             <a:extLst>
               <a:ext uri="{91240B29-F687-4f45-9708-019B960494DF}">
-                <a14:hiddenLine xmlns="" xmlns:a14="http://schemas.microsoft.com/office/drawing/2010/main" w="9525">
+                <a14:hiddenLine xmlns:a14="http://schemas.microsoft.com/office/drawing/2010/main" xmlns="" w="9525">
                   <a:solidFill>
                     <a:srgbClr val="000000"/>
                   </a:solidFill>
@@ -1047,7 +1047,7 @@
             </a:ln>
             <a:extLst>
               <a:ext uri="{91240B29-F687-4f45-9708-019B960494DF}">
-                <a14:hiddenLine xmlns="" xmlns:a14="http://schemas.microsoft.com/office/drawing/2010/main" w="9525">
+                <a14:hiddenLine xmlns:a14="http://schemas.microsoft.com/office/drawing/2010/main" xmlns="" w="9525">
                   <a:solidFill>
                     <a:srgbClr val="000000"/>
                   </a:solidFill>
@@ -1137,7 +1137,7 @@
             </a:ln>
             <a:extLst>
               <a:ext uri="{91240B29-F687-4f45-9708-019B960494DF}">
-                <a14:hiddenLine xmlns="" xmlns:a14="http://schemas.microsoft.com/office/drawing/2010/main" w="9525">
+                <a14:hiddenLine xmlns:a14="http://schemas.microsoft.com/office/drawing/2010/main" xmlns="" w="9525">
                   <a:solidFill>
                     <a:srgbClr val="000000"/>
                   </a:solidFill>
@@ -1199,7 +1199,7 @@
             </a:ln>
             <a:extLst>
               <a:ext uri="{91240B29-F687-4f45-9708-019B960494DF}">
-                <a14:hiddenLine xmlns="" xmlns:a14="http://schemas.microsoft.com/office/drawing/2010/main" w="9525">
+                <a14:hiddenLine xmlns:a14="http://schemas.microsoft.com/office/drawing/2010/main" xmlns="" w="9525">
                   <a:solidFill>
                     <a:srgbClr val="000000"/>
                   </a:solidFill>
@@ -1261,7 +1261,7 @@
             </a:ln>
             <a:extLst>
               <a:ext uri="{91240B29-F687-4f45-9708-019B960494DF}">
-                <a14:hiddenLine xmlns="" xmlns:a14="http://schemas.microsoft.com/office/drawing/2010/main" w="9525">
+                <a14:hiddenLine xmlns:a14="http://schemas.microsoft.com/office/drawing/2010/main" xmlns="" w="9525">
                   <a:solidFill>
                     <a:srgbClr val="000000"/>
                   </a:solidFill>
@@ -1351,7 +1351,7 @@
             </a:ln>
             <a:extLst>
               <a:ext uri="{91240B29-F687-4f45-9708-019B960494DF}">
-                <a14:hiddenLine xmlns="" xmlns:a14="http://schemas.microsoft.com/office/drawing/2010/main" w="9525">
+                <a14:hiddenLine xmlns:a14="http://schemas.microsoft.com/office/drawing/2010/main" xmlns="" w="9525">
                   <a:solidFill>
                     <a:srgbClr val="000000"/>
                   </a:solidFill>
@@ -1441,7 +1441,7 @@
             </a:ln>
             <a:extLst>
               <a:ext uri="{91240B29-F687-4f45-9708-019B960494DF}">
-                <a14:hiddenLine xmlns="" xmlns:a14="http://schemas.microsoft.com/office/drawing/2010/main" w="9525">
+                <a14:hiddenLine xmlns:a14="http://schemas.microsoft.com/office/drawing/2010/main" xmlns="" w="9525">
                   <a:solidFill>
                     <a:srgbClr val="000000"/>
                   </a:solidFill>
@@ -1503,7 +1503,7 @@
             </a:ln>
             <a:extLst>
               <a:ext uri="{91240B29-F687-4f45-9708-019B960494DF}">
-                <a14:hiddenLine xmlns="" xmlns:a14="http://schemas.microsoft.com/office/drawing/2010/main" w="9525">
+                <a14:hiddenLine xmlns:a14="http://schemas.microsoft.com/office/drawing/2010/main" xmlns="" w="9525">
                   <a:solidFill>
                     <a:srgbClr val="000000"/>
                   </a:solidFill>
@@ -1613,7 +1613,7 @@
             </a:ln>
             <a:extLst>
               <a:ext uri="{91240B29-F687-4f45-9708-019B960494DF}">
-                <a14:hiddenLine xmlns="" xmlns:a14="http://schemas.microsoft.com/office/drawing/2010/main" w="9525">
+                <a14:hiddenLine xmlns:a14="http://schemas.microsoft.com/office/drawing/2010/main" xmlns="" w="9525">
                   <a:solidFill>
                     <a:srgbClr val="000000"/>
                   </a:solidFill>
@@ -1675,7 +1675,7 @@
             </a:ln>
             <a:extLst>
               <a:ext uri="{91240B29-F687-4f45-9708-019B960494DF}">
-                <a14:hiddenLine xmlns="" xmlns:a14="http://schemas.microsoft.com/office/drawing/2010/main" w="9525">
+                <a14:hiddenLine xmlns:a14="http://schemas.microsoft.com/office/drawing/2010/main" xmlns="" w="9525">
                   <a:solidFill>
                     <a:srgbClr val="000000"/>
                   </a:solidFill>
@@ -1765,7 +1765,7 @@
             </a:ln>
             <a:extLst>
               <a:ext uri="{91240B29-F687-4f45-9708-019B960494DF}">
-                <a14:hiddenLine xmlns="" xmlns:a14="http://schemas.microsoft.com/office/drawing/2010/main" w="9525">
+                <a14:hiddenLine xmlns:a14="http://schemas.microsoft.com/office/drawing/2010/main" xmlns="" w="9525">
                   <a:solidFill>
                     <a:srgbClr val="000000"/>
                   </a:solidFill>
@@ -1855,7 +1855,7 @@
             </a:ln>
             <a:extLst>
               <a:ext uri="{91240B29-F687-4f45-9708-019B960494DF}">
-                <a14:hiddenLine xmlns="" xmlns:a14="http://schemas.microsoft.com/office/drawing/2010/main" w="9525">
+                <a14:hiddenLine xmlns:a14="http://schemas.microsoft.com/office/drawing/2010/main" xmlns="" w="9525">
                   <a:solidFill>
                     <a:srgbClr val="000000"/>
                   </a:solidFill>
@@ -1917,7 +1917,7 @@
             </a:ln>
             <a:extLst>
               <a:ext uri="{91240B29-F687-4f45-9708-019B960494DF}">
-                <a14:hiddenLine xmlns="" xmlns:a14="http://schemas.microsoft.com/office/drawing/2010/main" w="9525">
+                <a14:hiddenLine xmlns:a14="http://schemas.microsoft.com/office/drawing/2010/main" xmlns="" w="9525">
                   <a:solidFill>
                     <a:srgbClr val="000000"/>
                   </a:solidFill>
@@ -2007,7 +2007,7 @@
             </a:ln>
             <a:extLst>
               <a:ext uri="{91240B29-F687-4f45-9708-019B960494DF}">
-                <a14:hiddenLine xmlns="" xmlns:a14="http://schemas.microsoft.com/office/drawing/2010/main" w="9525">
+                <a14:hiddenLine xmlns:a14="http://schemas.microsoft.com/office/drawing/2010/main" xmlns="" w="9525">
                   <a:solidFill>
                     <a:srgbClr val="000000"/>
                   </a:solidFill>
@@ -2097,7 +2097,7 @@
             </a:ln>
             <a:extLst>
               <a:ext uri="{91240B29-F687-4f45-9708-019B960494DF}">
-                <a14:hiddenLine xmlns="" xmlns:a14="http://schemas.microsoft.com/office/drawing/2010/main" w="9525">
+                <a14:hiddenLine xmlns:a14="http://schemas.microsoft.com/office/drawing/2010/main" xmlns="" w="9525">
                   <a:solidFill>
                     <a:srgbClr val="000000"/>
                   </a:solidFill>
@@ -2153,7 +2153,7 @@
             </a:ln>
             <a:extLst>
               <a:ext uri="{91240B29-F687-4f45-9708-019B960494DF}">
-                <a14:hiddenLine xmlns="" xmlns:a14="http://schemas.microsoft.com/office/drawing/2010/main" w="9525">
+                <a14:hiddenLine xmlns:a14="http://schemas.microsoft.com/office/drawing/2010/main" xmlns="" w="9525">
                   <a:solidFill>
                     <a:srgbClr val="000000"/>
                   </a:solidFill>
@@ -2243,7 +2243,7 @@
             </a:ln>
             <a:extLst>
               <a:ext uri="{91240B29-F687-4f45-9708-019B960494DF}">
-                <a14:hiddenLine xmlns="" xmlns:a14="http://schemas.microsoft.com/office/drawing/2010/main" w="9525">
+                <a14:hiddenLine xmlns:a14="http://schemas.microsoft.com/office/drawing/2010/main" xmlns="" w="9525">
                   <a:solidFill>
                     <a:srgbClr val="000000"/>
                   </a:solidFill>
@@ -2299,7 +2299,7 @@
             </a:ln>
             <a:extLst>
               <a:ext uri="{91240B29-F687-4f45-9708-019B960494DF}">
-                <a14:hiddenLine xmlns="" xmlns:a14="http://schemas.microsoft.com/office/drawing/2010/main" w="9525">
+                <a14:hiddenLine xmlns:a14="http://schemas.microsoft.com/office/drawing/2010/main" xmlns="" w="9525">
                   <a:solidFill>
                     <a:srgbClr val="000000"/>
                   </a:solidFill>
@@ -2389,7 +2389,7 @@
             </a:ln>
             <a:extLst>
               <a:ext uri="{91240B29-F687-4f45-9708-019B960494DF}">
-                <a14:hiddenLine xmlns="" xmlns:a14="http://schemas.microsoft.com/office/drawing/2010/main" w="9525">
+                <a14:hiddenLine xmlns:a14="http://schemas.microsoft.com/office/drawing/2010/main" xmlns="" w="9525">
                   <a:solidFill>
                     <a:srgbClr val="000000"/>
                   </a:solidFill>
@@ -2457,7 +2457,7 @@
             </a:ln>
             <a:extLst>
               <a:ext uri="{91240B29-F687-4f45-9708-019B960494DF}">
-                <a14:hiddenLine xmlns="" xmlns:a14="http://schemas.microsoft.com/office/drawing/2010/main" w="9525">
+                <a14:hiddenLine xmlns:a14="http://schemas.microsoft.com/office/drawing/2010/main" xmlns="" w="9525">
                   <a:solidFill>
                     <a:srgbClr val="000000"/>
                   </a:solidFill>
@@ -2547,7 +2547,7 @@
             </a:ln>
             <a:extLst>
               <a:ext uri="{91240B29-F687-4f45-9708-019B960494DF}">
-                <a14:hiddenLine xmlns="" xmlns:a14="http://schemas.microsoft.com/office/drawing/2010/main" w="9525">
+                <a14:hiddenLine xmlns:a14="http://schemas.microsoft.com/office/drawing/2010/main" xmlns="" w="9525">
                   <a:solidFill>
                     <a:srgbClr val="000000"/>
                   </a:solidFill>
@@ -2615,7 +2615,7 @@
             </a:ln>
             <a:extLst>
               <a:ext uri="{91240B29-F687-4f45-9708-019B960494DF}">
-                <a14:hiddenLine xmlns="" xmlns:a14="http://schemas.microsoft.com/office/drawing/2010/main" w="9525">
+                <a14:hiddenLine xmlns:a14="http://schemas.microsoft.com/office/drawing/2010/main" xmlns="" w="9525">
                   <a:solidFill>
                     <a:srgbClr val="000000"/>
                   </a:solidFill>
@@ -2705,7 +2705,7 @@
             </a:ln>
             <a:extLst>
               <a:ext uri="{91240B29-F687-4f45-9708-019B960494DF}">
-                <a14:hiddenLine xmlns="" xmlns:a14="http://schemas.microsoft.com/office/drawing/2010/main" w="9525">
+                <a14:hiddenLine xmlns:a14="http://schemas.microsoft.com/office/drawing/2010/main" xmlns="" w="9525">
                   <a:solidFill>
                     <a:srgbClr val="000000"/>
                   </a:solidFill>
@@ -2739,7 +2739,7 @@
             </a:ln>
             <a:extLst>
               <a:ext uri="{91240B29-F687-4f45-9708-019B960494DF}">
-                <a14:hiddenLine xmlns="" xmlns:a14="http://schemas.microsoft.com/office/drawing/2010/main" w="9525">
+                <a14:hiddenLine xmlns:a14="http://schemas.microsoft.com/office/drawing/2010/main" xmlns="" w="9525">
                   <a:solidFill>
                     <a:srgbClr val="000000"/>
                   </a:solidFill>
@@ -2829,7 +2829,7 @@
             </a:ln>
             <a:extLst>
               <a:ext uri="{91240B29-F687-4f45-9708-019B960494DF}">
-                <a14:hiddenLine xmlns="" xmlns:a14="http://schemas.microsoft.com/office/drawing/2010/main" w="9525">
+                <a14:hiddenLine xmlns:a14="http://schemas.microsoft.com/office/drawing/2010/main" xmlns="" w="9525">
                   <a:solidFill>
                     <a:srgbClr val="000000"/>
                   </a:solidFill>
@@ -2891,7 +2891,7 @@
             </a:ln>
             <a:extLst>
               <a:ext uri="{91240B29-F687-4f45-9708-019B960494DF}">
-                <a14:hiddenLine xmlns="" xmlns:a14="http://schemas.microsoft.com/office/drawing/2010/main" w="9525">
+                <a14:hiddenLine xmlns:a14="http://schemas.microsoft.com/office/drawing/2010/main" xmlns="" w="9525">
                   <a:solidFill>
                     <a:srgbClr val="000000"/>
                   </a:solidFill>
@@ -2953,7 +2953,7 @@
             </a:ln>
             <a:extLst>
               <a:ext uri="{91240B29-F687-4f45-9708-019B960494DF}">
-                <a14:hiddenLine xmlns="" xmlns:a14="http://schemas.microsoft.com/office/drawing/2010/main" w="9525">
+                <a14:hiddenLine xmlns:a14="http://schemas.microsoft.com/office/drawing/2010/main" xmlns="" w="9525">
                   <a:solidFill>
                     <a:srgbClr val="000000"/>
                   </a:solidFill>
@@ -3043,7 +3043,7 @@
             </a:ln>
             <a:extLst>
               <a:ext uri="{91240B29-F687-4f45-9708-019B960494DF}">
-                <a14:hiddenLine xmlns="" xmlns:a14="http://schemas.microsoft.com/office/drawing/2010/main" w="9525">
+                <a14:hiddenLine xmlns:a14="http://schemas.microsoft.com/office/drawing/2010/main" xmlns="" w="9525">
                   <a:solidFill>
                     <a:srgbClr val="000000"/>
                   </a:solidFill>
@@ -3111,7 +3111,7 @@
             </a:ln>
             <a:extLst>
               <a:ext uri="{91240B29-F687-4f45-9708-019B960494DF}">
-                <a14:hiddenLine xmlns="" xmlns:a14="http://schemas.microsoft.com/office/drawing/2010/main" w="9525">
+                <a14:hiddenLine xmlns:a14="http://schemas.microsoft.com/office/drawing/2010/main" xmlns="" w="9525">
                   <a:solidFill>
                     <a:srgbClr val="000000"/>
                   </a:solidFill>
@@ -3173,7 +3173,7 @@
             </a:ln>
             <a:extLst>
               <a:ext uri="{91240B29-F687-4f45-9708-019B960494DF}">
-                <a14:hiddenLine xmlns="" xmlns:a14="http://schemas.microsoft.com/office/drawing/2010/main" w="9525">
+                <a14:hiddenLine xmlns:a14="http://schemas.microsoft.com/office/drawing/2010/main" xmlns="" w="9525">
                   <a:solidFill>
                     <a:srgbClr val="000000"/>
                   </a:solidFill>
@@ -3263,7 +3263,7 @@
             </a:ln>
             <a:extLst>
               <a:ext uri="{91240B29-F687-4f45-9708-019B960494DF}">
-                <a14:hiddenLine xmlns="" xmlns:a14="http://schemas.microsoft.com/office/drawing/2010/main" w="9525">
+                <a14:hiddenLine xmlns:a14="http://schemas.microsoft.com/office/drawing/2010/main" xmlns="" w="9525">
                   <a:solidFill>
                     <a:srgbClr val="000000"/>
                   </a:solidFill>
@@ -3325,7 +3325,7 @@
             </a:ln>
             <a:extLst>
               <a:ext uri="{91240B29-F687-4f45-9708-019B960494DF}">
-                <a14:hiddenLine xmlns="" xmlns:a14="http://schemas.microsoft.com/office/drawing/2010/main" w="9525">
+                <a14:hiddenLine xmlns:a14="http://schemas.microsoft.com/office/drawing/2010/main" xmlns="" w="9525">
                   <a:solidFill>
                     <a:srgbClr val="000000"/>
                   </a:solidFill>
@@ -3415,7 +3415,7 @@
             </a:ln>
             <a:extLst>
               <a:ext uri="{91240B29-F687-4f45-9708-019B960494DF}">
-                <a14:hiddenLine xmlns="" xmlns:a14="http://schemas.microsoft.com/office/drawing/2010/main" w="9525">
+                <a14:hiddenLine xmlns:a14="http://schemas.microsoft.com/office/drawing/2010/main" xmlns="" w="9525">
                   <a:solidFill>
                     <a:srgbClr val="000000"/>
                   </a:solidFill>
@@ -3477,7 +3477,7 @@
             </a:ln>
             <a:extLst>
               <a:ext uri="{91240B29-F687-4f45-9708-019B960494DF}">
-                <a14:hiddenLine xmlns="" xmlns:a14="http://schemas.microsoft.com/office/drawing/2010/main" w="9525">
+                <a14:hiddenLine xmlns:a14="http://schemas.microsoft.com/office/drawing/2010/main" xmlns="" w="9525">
                   <a:solidFill>
                     <a:srgbClr val="000000"/>
                   </a:solidFill>
@@ -3567,7 +3567,7 @@
             </a:ln>
             <a:extLst>
               <a:ext uri="{91240B29-F687-4f45-9708-019B960494DF}">
-                <a14:hiddenLine xmlns="" xmlns:a14="http://schemas.microsoft.com/office/drawing/2010/main" w="9525">
+                <a14:hiddenLine xmlns:a14="http://schemas.microsoft.com/office/drawing/2010/main" xmlns="" w="9525">
                   <a:solidFill>
                     <a:srgbClr val="000000"/>
                   </a:solidFill>
@@ -3601,7 +3601,7 @@
             </a:ln>
             <a:extLst>
               <a:ext uri="{91240B29-F687-4f45-9708-019B960494DF}">
-                <a14:hiddenLine xmlns="" xmlns:a14="http://schemas.microsoft.com/office/drawing/2010/main" w="9525">
+                <a14:hiddenLine xmlns:a14="http://schemas.microsoft.com/office/drawing/2010/main" xmlns="" w="9525">
                   <a:solidFill>
                     <a:srgbClr val="000000"/>
                   </a:solidFill>
@@ -3666,7 +3666,7 @@
             </a:ln>
             <a:extLst>
               <a:ext uri="{91240B29-F687-4f45-9708-019B960494DF}">
-                <a14:hiddenLine xmlns="" xmlns:a14="http://schemas.microsoft.com/office/drawing/2010/main" w="9525">
+                <a14:hiddenLine xmlns:a14="http://schemas.microsoft.com/office/drawing/2010/main" xmlns="" w="9525">
                   <a:solidFill>
                     <a:srgbClr val="000000"/>
                   </a:solidFill>
@@ -3756,7 +3756,7 @@
             </a:ln>
             <a:extLst>
               <a:ext uri="{91240B29-F687-4f45-9708-019B960494DF}">
-                <a14:hiddenLine xmlns="" xmlns:a14="http://schemas.microsoft.com/office/drawing/2010/main" w="9525">
+                <a14:hiddenLine xmlns:a14="http://schemas.microsoft.com/office/drawing/2010/main" xmlns="" w="9525">
                   <a:solidFill>
                     <a:srgbClr val="000000"/>
                   </a:solidFill>
@@ -3818,7 +3818,7 @@
             </a:ln>
             <a:extLst>
               <a:ext uri="{91240B29-F687-4f45-9708-019B960494DF}">
-                <a14:hiddenLine xmlns="" xmlns:a14="http://schemas.microsoft.com/office/drawing/2010/main" w="9525">
+                <a14:hiddenLine xmlns:a14="http://schemas.microsoft.com/office/drawing/2010/main" xmlns="" w="9525">
                   <a:solidFill>
                     <a:srgbClr val="000000"/>
                   </a:solidFill>
@@ -3908,7 +3908,7 @@
             </a:ln>
             <a:extLst>
               <a:ext uri="{91240B29-F687-4f45-9708-019B960494DF}">
-                <a14:hiddenLine xmlns="" xmlns:a14="http://schemas.microsoft.com/office/drawing/2010/main" w="9525">
+                <a14:hiddenLine xmlns:a14="http://schemas.microsoft.com/office/drawing/2010/main" xmlns="" w="9525">
                   <a:solidFill>
                     <a:srgbClr val="000000"/>
                   </a:solidFill>
@@ -3998,7 +3998,7 @@
             </a:ln>
             <a:extLst>
               <a:ext uri="{91240B29-F687-4f45-9708-019B960494DF}">
-                <a14:hiddenLine xmlns="" xmlns:a14="http://schemas.microsoft.com/office/drawing/2010/main" w="9525">
+                <a14:hiddenLine xmlns:a14="http://schemas.microsoft.com/office/drawing/2010/main" xmlns="" w="9525">
                   <a:solidFill>
                     <a:srgbClr val="000000"/>
                   </a:solidFill>
@@ -4063,7 +4063,7 @@
             </a:ln>
             <a:extLst>
               <a:ext uri="{91240B29-F687-4f45-9708-019B960494DF}">
-                <a14:hiddenLine xmlns="" xmlns:a14="http://schemas.microsoft.com/office/drawing/2010/main" w="9525">
+                <a14:hiddenLine xmlns:a14="http://schemas.microsoft.com/office/drawing/2010/main" xmlns="" w="9525">
                   <a:solidFill>
                     <a:srgbClr val="000000"/>
                   </a:solidFill>
@@ -4125,7 +4125,7 @@
             </a:ln>
             <a:extLst>
               <a:ext uri="{91240B29-F687-4f45-9708-019B960494DF}">
-                <a14:hiddenLine xmlns="" xmlns:a14="http://schemas.microsoft.com/office/drawing/2010/main" w="9525">
+                <a14:hiddenLine xmlns:a14="http://schemas.microsoft.com/office/drawing/2010/main" xmlns="" w="9525">
                   <a:solidFill>
                     <a:srgbClr val="000000"/>
                   </a:solidFill>
@@ -4215,7 +4215,7 @@
             </a:ln>
             <a:extLst>
               <a:ext uri="{91240B29-F687-4f45-9708-019B960494DF}">
-                <a14:hiddenLine xmlns="" xmlns:a14="http://schemas.microsoft.com/office/drawing/2010/main" w="9525">
+                <a14:hiddenLine xmlns:a14="http://schemas.microsoft.com/office/drawing/2010/main" xmlns="" w="9525">
                   <a:solidFill>
                     <a:srgbClr val="000000"/>
                   </a:solidFill>
@@ -4305,7 +4305,7 @@
             </a:ln>
             <a:extLst>
               <a:ext uri="{91240B29-F687-4f45-9708-019B960494DF}">
-                <a14:hiddenLine xmlns="" xmlns:a14="http://schemas.microsoft.com/office/drawing/2010/main" w="9525">
+                <a14:hiddenLine xmlns:a14="http://schemas.microsoft.com/office/drawing/2010/main" xmlns="" w="9525">
                   <a:solidFill>
                     <a:srgbClr val="000000"/>
                   </a:solidFill>
@@ -4367,7 +4367,7 @@
             </a:ln>
             <a:extLst>
               <a:ext uri="{91240B29-F687-4f45-9708-019B960494DF}">
-                <a14:hiddenLine xmlns="" xmlns:a14="http://schemas.microsoft.com/office/drawing/2010/main" w="9525">
+                <a14:hiddenLine xmlns:a14="http://schemas.microsoft.com/office/drawing/2010/main" xmlns="" w="9525">
                   <a:solidFill>
                     <a:srgbClr val="000000"/>
                   </a:solidFill>
@@ -4487,7 +4487,7 @@
             </a:ln>
             <a:extLst>
               <a:ext uri="{91240B29-F687-4f45-9708-019B960494DF}">
-                <a14:hiddenLine xmlns="" xmlns:a14="http://schemas.microsoft.com/office/drawing/2010/main" w="9525">
+                <a14:hiddenLine xmlns:a14="http://schemas.microsoft.com/office/drawing/2010/main" xmlns="" w="9525">
                   <a:solidFill>
                     <a:srgbClr val="000000"/>
                   </a:solidFill>
@@ -4555,7 +4555,7 @@
             </a:ln>
             <a:extLst>
               <a:ext uri="{91240B29-F687-4f45-9708-019B960494DF}">
-                <a14:hiddenLine xmlns="" xmlns:a14="http://schemas.microsoft.com/office/drawing/2010/main" w="9525">
+                <a14:hiddenLine xmlns:a14="http://schemas.microsoft.com/office/drawing/2010/main" xmlns="" w="9525">
                   <a:solidFill>
                     <a:srgbClr val="000000"/>
                   </a:solidFill>
@@ -4645,7 +4645,7 @@
             </a:ln>
             <a:extLst>
               <a:ext uri="{91240B29-F687-4f45-9708-019B960494DF}">
-                <a14:hiddenLine xmlns="" xmlns:a14="http://schemas.microsoft.com/office/drawing/2010/main" w="9525">
+                <a14:hiddenLine xmlns:a14="http://schemas.microsoft.com/office/drawing/2010/main" xmlns="" w="9525">
                   <a:solidFill>
                     <a:srgbClr val="000000"/>
                   </a:solidFill>
@@ -9372,7 +9372,7 @@
           <a:noFill/>
           <a:extLst>
             <a:ext uri="{909E8E84-426E-40dd-AFC4-6F175D3DCCD1}">
-              <a14:hiddenFill xmlns="" xmlns:a14="http://schemas.microsoft.com/office/drawing/2010/main">
+              <a14:hiddenFill xmlns:a14="http://schemas.microsoft.com/office/drawing/2010/main" xmlns="">
                 <a:solidFill>
                   <a:srgbClr val="FFFFFF"/>
                 </a:solidFill>
@@ -9446,7 +9446,7 @@
               </a:ln>
               <a:extLst>
                 <a:ext uri="{91240B29-F687-4f45-9708-019B960494DF}">
-                  <a14:hiddenLine xmlns="" xmlns:a14="http://schemas.microsoft.com/office/drawing/2010/main" w="9525">
+                  <a14:hiddenLine xmlns:a14="http://schemas.microsoft.com/office/drawing/2010/main" xmlns="" w="9525">
                     <a:solidFill>
                       <a:srgbClr val="000000"/>
                     </a:solidFill>
@@ -9536,7 +9536,7 @@
               </a:ln>
               <a:extLst>
                 <a:ext uri="{91240B29-F687-4f45-9708-019B960494DF}">
-                  <a14:hiddenLine xmlns="" xmlns:a14="http://schemas.microsoft.com/office/drawing/2010/main" w="9525">
+                  <a14:hiddenLine xmlns:a14="http://schemas.microsoft.com/office/drawing/2010/main" xmlns="" w="9525">
                     <a:solidFill>
                       <a:srgbClr val="000000"/>
                     </a:solidFill>
@@ -9626,7 +9626,7 @@
               </a:ln>
               <a:extLst>
                 <a:ext uri="{91240B29-F687-4f45-9708-019B960494DF}">
-                  <a14:hiddenLine xmlns="" xmlns:a14="http://schemas.microsoft.com/office/drawing/2010/main" w="9525">
+                  <a14:hiddenLine xmlns:a14="http://schemas.microsoft.com/office/drawing/2010/main" xmlns="" w="9525">
                     <a:solidFill>
                       <a:srgbClr val="000000"/>
                     </a:solidFill>
@@ -9688,7 +9688,7 @@
               </a:ln>
               <a:extLst>
                 <a:ext uri="{91240B29-F687-4f45-9708-019B960494DF}">
-                  <a14:hiddenLine xmlns="" xmlns:a14="http://schemas.microsoft.com/office/drawing/2010/main" w="9525">
+                  <a14:hiddenLine xmlns:a14="http://schemas.microsoft.com/office/drawing/2010/main" xmlns="" w="9525">
                     <a:solidFill>
                       <a:srgbClr val="000000"/>
                     </a:solidFill>
@@ -9778,7 +9778,7 @@
               </a:ln>
               <a:extLst>
                 <a:ext uri="{91240B29-F687-4f45-9708-019B960494DF}">
-                  <a14:hiddenLine xmlns="" xmlns:a14="http://schemas.microsoft.com/office/drawing/2010/main" w="9525">
+                  <a14:hiddenLine xmlns:a14="http://schemas.microsoft.com/office/drawing/2010/main" xmlns="" w="9525">
                     <a:solidFill>
                       <a:srgbClr val="000000"/>
                     </a:solidFill>
@@ -9840,7 +9840,7 @@
               </a:ln>
               <a:extLst>
                 <a:ext uri="{91240B29-F687-4f45-9708-019B960494DF}">
-                  <a14:hiddenLine xmlns="" xmlns:a14="http://schemas.microsoft.com/office/drawing/2010/main" w="9525">
+                  <a14:hiddenLine xmlns:a14="http://schemas.microsoft.com/office/drawing/2010/main" xmlns="" w="9525">
                     <a:solidFill>
                       <a:srgbClr val="000000"/>
                     </a:solidFill>
@@ -9902,7 +9902,7 @@
               </a:ln>
               <a:extLst>
                 <a:ext uri="{91240B29-F687-4f45-9708-019B960494DF}">
-                  <a14:hiddenLine xmlns="" xmlns:a14="http://schemas.microsoft.com/office/drawing/2010/main" w="9525">
+                  <a14:hiddenLine xmlns:a14="http://schemas.microsoft.com/office/drawing/2010/main" xmlns="" w="9525">
                     <a:solidFill>
                       <a:srgbClr val="000000"/>
                     </a:solidFill>
@@ -9992,7 +9992,7 @@
               </a:ln>
               <a:extLst>
                 <a:ext uri="{91240B29-F687-4f45-9708-019B960494DF}">
-                  <a14:hiddenLine xmlns="" xmlns:a14="http://schemas.microsoft.com/office/drawing/2010/main" w="9525">
+                  <a14:hiddenLine xmlns:a14="http://schemas.microsoft.com/office/drawing/2010/main" xmlns="" w="9525">
                     <a:solidFill>
                       <a:srgbClr val="000000"/>
                     </a:solidFill>
@@ -10082,7 +10082,7 @@
               </a:ln>
               <a:extLst>
                 <a:ext uri="{91240B29-F687-4f45-9708-019B960494DF}">
-                  <a14:hiddenLine xmlns="" xmlns:a14="http://schemas.microsoft.com/office/drawing/2010/main" w="9525">
+                  <a14:hiddenLine xmlns:a14="http://schemas.microsoft.com/office/drawing/2010/main" xmlns="" w="9525">
                     <a:solidFill>
                       <a:srgbClr val="000000"/>
                     </a:solidFill>
@@ -10144,7 +10144,7 @@
               </a:ln>
               <a:extLst>
                 <a:ext uri="{91240B29-F687-4f45-9708-019B960494DF}">
-                  <a14:hiddenLine xmlns="" xmlns:a14="http://schemas.microsoft.com/office/drawing/2010/main" w="9525">
+                  <a14:hiddenLine xmlns:a14="http://schemas.microsoft.com/office/drawing/2010/main" xmlns="" w="9525">
                     <a:solidFill>
                       <a:srgbClr val="000000"/>
                     </a:solidFill>
@@ -10254,7 +10254,7 @@
               </a:ln>
               <a:extLst>
                 <a:ext uri="{91240B29-F687-4f45-9708-019B960494DF}">
-                  <a14:hiddenLine xmlns="" xmlns:a14="http://schemas.microsoft.com/office/drawing/2010/main" w="9525">
+                  <a14:hiddenLine xmlns:a14="http://schemas.microsoft.com/office/drawing/2010/main" xmlns="" w="9525">
                     <a:solidFill>
                       <a:srgbClr val="000000"/>
                     </a:solidFill>
@@ -10338,7 +10338,7 @@
               </a:ln>
               <a:extLst>
                 <a:ext uri="{91240B29-F687-4f45-9708-019B960494DF}">
-                  <a14:hiddenLine xmlns="" xmlns:a14="http://schemas.microsoft.com/office/drawing/2010/main" w="9525">
+                  <a14:hiddenLine xmlns:a14="http://schemas.microsoft.com/office/drawing/2010/main" xmlns="" w="9525">
                     <a:solidFill>
                       <a:srgbClr val="000000"/>
                     </a:solidFill>
@@ -10400,7 +10400,7 @@
               </a:ln>
               <a:extLst>
                 <a:ext uri="{91240B29-F687-4f45-9708-019B960494DF}">
-                  <a14:hiddenLine xmlns="" xmlns:a14="http://schemas.microsoft.com/office/drawing/2010/main" w="9525">
+                  <a14:hiddenLine xmlns:a14="http://schemas.microsoft.com/office/drawing/2010/main" xmlns="" w="9525">
                     <a:solidFill>
                       <a:srgbClr val="000000"/>
                     </a:solidFill>
@@ -10462,7 +10462,7 @@
               </a:ln>
               <a:extLst>
                 <a:ext uri="{91240B29-F687-4f45-9708-019B960494DF}">
-                  <a14:hiddenLine xmlns="" xmlns:a14="http://schemas.microsoft.com/office/drawing/2010/main" w="9525">
+                  <a14:hiddenLine xmlns:a14="http://schemas.microsoft.com/office/drawing/2010/main" xmlns="" w="9525">
                     <a:solidFill>
                       <a:srgbClr val="000000"/>
                     </a:solidFill>
@@ -10552,7 +10552,7 @@
               </a:ln>
               <a:extLst>
                 <a:ext uri="{91240B29-F687-4f45-9708-019B960494DF}">
-                  <a14:hiddenLine xmlns="" xmlns:a14="http://schemas.microsoft.com/office/drawing/2010/main" w="9525">
+                  <a14:hiddenLine xmlns:a14="http://schemas.microsoft.com/office/drawing/2010/main" xmlns="" w="9525">
                     <a:solidFill>
                       <a:srgbClr val="000000"/>
                     </a:solidFill>
@@ -10586,7 +10586,7 @@
               </a:ln>
               <a:extLst>
                 <a:ext uri="{91240B29-F687-4f45-9708-019B960494DF}">
-                  <a14:hiddenLine xmlns="" xmlns:a14="http://schemas.microsoft.com/office/drawing/2010/main" w="9525">
+                  <a14:hiddenLine xmlns:a14="http://schemas.microsoft.com/office/drawing/2010/main" xmlns="" w="9525">
                     <a:solidFill>
                       <a:srgbClr val="000000"/>
                     </a:solidFill>
@@ -10651,7 +10651,7 @@
               </a:ln>
               <a:extLst>
                 <a:ext uri="{91240B29-F687-4f45-9708-019B960494DF}">
-                  <a14:hiddenLine xmlns="" xmlns:a14="http://schemas.microsoft.com/office/drawing/2010/main" w="9525">
+                  <a14:hiddenLine xmlns:a14="http://schemas.microsoft.com/office/drawing/2010/main" xmlns="" w="9525">
                     <a:solidFill>
                       <a:srgbClr val="000000"/>
                     </a:solidFill>
@@ -10741,7 +10741,7 @@
               </a:ln>
               <a:extLst>
                 <a:ext uri="{91240B29-F687-4f45-9708-019B960494DF}">
-                  <a14:hiddenLine xmlns="" xmlns:a14="http://schemas.microsoft.com/office/drawing/2010/main" w="9525">
+                  <a14:hiddenLine xmlns:a14="http://schemas.microsoft.com/office/drawing/2010/main" xmlns="" w="9525">
                     <a:solidFill>
                       <a:srgbClr val="000000"/>
                     </a:solidFill>
@@ -10803,7 +10803,7 @@
               </a:ln>
               <a:extLst>
                 <a:ext uri="{91240B29-F687-4f45-9708-019B960494DF}">
-                  <a14:hiddenLine xmlns="" xmlns:a14="http://schemas.microsoft.com/office/drawing/2010/main" w="9525">
+                  <a14:hiddenLine xmlns:a14="http://schemas.microsoft.com/office/drawing/2010/main" xmlns="" w="9525">
                     <a:solidFill>
                       <a:srgbClr val="000000"/>
                     </a:solidFill>
@@ -10893,7 +10893,7 @@
               </a:ln>
               <a:extLst>
                 <a:ext uri="{91240B29-F687-4f45-9708-019B960494DF}">
-                  <a14:hiddenLine xmlns="" xmlns:a14="http://schemas.microsoft.com/office/drawing/2010/main" w="9525">
+                  <a14:hiddenLine xmlns:a14="http://schemas.microsoft.com/office/drawing/2010/main" xmlns="" w="9525">
                     <a:solidFill>
                       <a:srgbClr val="000000"/>
                     </a:solidFill>
@@ -10958,7 +10958,7 @@
               </a:ln>
               <a:extLst>
                 <a:ext uri="{91240B29-F687-4f45-9708-019B960494DF}">
-                  <a14:hiddenLine xmlns="" xmlns:a14="http://schemas.microsoft.com/office/drawing/2010/main" w="9525">
+                  <a14:hiddenLine xmlns:a14="http://schemas.microsoft.com/office/drawing/2010/main" xmlns="" w="9525">
                     <a:solidFill>
                       <a:srgbClr val="000000"/>
                     </a:solidFill>
@@ -11020,7 +11020,7 @@
               </a:ln>
               <a:extLst>
                 <a:ext uri="{91240B29-F687-4f45-9708-019B960494DF}">
-                  <a14:hiddenLine xmlns="" xmlns:a14="http://schemas.microsoft.com/office/drawing/2010/main" w="9525">
+                  <a14:hiddenLine xmlns:a14="http://schemas.microsoft.com/office/drawing/2010/main" xmlns="" w="9525">
                     <a:solidFill>
                       <a:srgbClr val="000000"/>
                     </a:solidFill>
@@ -11110,7 +11110,7 @@
               </a:ln>
               <a:extLst>
                 <a:ext uri="{91240B29-F687-4f45-9708-019B960494DF}">
-                  <a14:hiddenLine xmlns="" xmlns:a14="http://schemas.microsoft.com/office/drawing/2010/main" w="9525">
+                  <a14:hiddenLine xmlns:a14="http://schemas.microsoft.com/office/drawing/2010/main" xmlns="" w="9525">
                     <a:solidFill>
                       <a:srgbClr val="000000"/>
                     </a:solidFill>
@@ -11200,7 +11200,7 @@
               </a:ln>
               <a:extLst>
                 <a:ext uri="{91240B29-F687-4f45-9708-019B960494DF}">
-                  <a14:hiddenLine xmlns="" xmlns:a14="http://schemas.microsoft.com/office/drawing/2010/main" w="9525">
+                  <a14:hiddenLine xmlns:a14="http://schemas.microsoft.com/office/drawing/2010/main" xmlns="" w="9525">
                     <a:solidFill>
                       <a:srgbClr val="000000"/>
                     </a:solidFill>
@@ -11265,7 +11265,7 @@
               </a:ln>
               <a:extLst>
                 <a:ext uri="{91240B29-F687-4f45-9708-019B960494DF}">
-                  <a14:hiddenLine xmlns="" xmlns:a14="http://schemas.microsoft.com/office/drawing/2010/main" w="9525">
+                  <a14:hiddenLine xmlns:a14="http://schemas.microsoft.com/office/drawing/2010/main" xmlns="" w="9525">
                     <a:solidFill>
                       <a:srgbClr val="000000"/>
                     </a:solidFill>
@@ -11385,7 +11385,7 @@
               </a:ln>
               <a:extLst>
                 <a:ext uri="{91240B29-F687-4f45-9708-019B960494DF}">
-                  <a14:hiddenLine xmlns="" xmlns:a14="http://schemas.microsoft.com/office/drawing/2010/main" w="9525">
+                  <a14:hiddenLine xmlns:a14="http://schemas.microsoft.com/office/drawing/2010/main" xmlns="" w="9525">
                     <a:solidFill>
                       <a:srgbClr val="000000"/>
                     </a:solidFill>
@@ -11483,7 +11483,7 @@
               </a:ln>
               <a:extLst>
                 <a:ext uri="{91240B29-F687-4f45-9708-019B960494DF}">
-                  <a14:hiddenLine xmlns="" xmlns:a14="http://schemas.microsoft.com/office/drawing/2010/main" w="9525">
+                  <a14:hiddenLine xmlns:a14="http://schemas.microsoft.com/office/drawing/2010/main" xmlns="" w="9525">
                     <a:solidFill>
                       <a:srgbClr val="000000"/>
                     </a:solidFill>
@@ -11598,7 +11598,7 @@
               </a:ln>
               <a:extLst>
                 <a:ext uri="{91240B29-F687-4f45-9708-019B960494DF}">
-                  <a14:hiddenLine xmlns="" xmlns:a14="http://schemas.microsoft.com/office/drawing/2010/main" w="9525">
+                  <a14:hiddenLine xmlns:a14="http://schemas.microsoft.com/office/drawing/2010/main" xmlns="" w="9525">
                     <a:solidFill>
                       <a:srgbClr val="000000"/>
                     </a:solidFill>
@@ -11688,7 +11688,7 @@
               </a:ln>
               <a:extLst>
                 <a:ext uri="{91240B29-F687-4f45-9708-019B960494DF}">
-                  <a14:hiddenLine xmlns="" xmlns:a14="http://schemas.microsoft.com/office/drawing/2010/main" w="9525">
+                  <a14:hiddenLine xmlns:a14="http://schemas.microsoft.com/office/drawing/2010/main" xmlns="" w="9525">
                     <a:solidFill>
                       <a:srgbClr val="000000"/>
                     </a:solidFill>
@@ -11753,7 +11753,7 @@
               </a:ln>
               <a:extLst>
                 <a:ext uri="{91240B29-F687-4f45-9708-019B960494DF}">
-                  <a14:hiddenLine xmlns="" xmlns:a14="http://schemas.microsoft.com/office/drawing/2010/main" w="9525">
+                  <a14:hiddenLine xmlns:a14="http://schemas.microsoft.com/office/drawing/2010/main" xmlns="" w="9525">
                     <a:solidFill>
                       <a:srgbClr val="000000"/>
                     </a:solidFill>
@@ -11843,7 +11843,7 @@
               </a:ln>
               <a:extLst>
                 <a:ext uri="{91240B29-F687-4f45-9708-019B960494DF}">
-                  <a14:hiddenLine xmlns="" xmlns:a14="http://schemas.microsoft.com/office/drawing/2010/main" w="9525">
+                  <a14:hiddenLine xmlns:a14="http://schemas.microsoft.com/office/drawing/2010/main" xmlns="" w="9525">
                     <a:solidFill>
                       <a:srgbClr val="000000"/>
                     </a:solidFill>
@@ -11911,7 +11911,7 @@
               </a:ln>
               <a:extLst>
                 <a:ext uri="{91240B29-F687-4f45-9708-019B960494DF}">
-                  <a14:hiddenLine xmlns="" xmlns:a14="http://schemas.microsoft.com/office/drawing/2010/main" w="9525">
+                  <a14:hiddenLine xmlns:a14="http://schemas.microsoft.com/office/drawing/2010/main" xmlns="" w="9525">
                     <a:solidFill>
                       <a:srgbClr val="000000"/>
                     </a:solidFill>
@@ -12001,7 +12001,7 @@
               </a:ln>
               <a:extLst>
                 <a:ext uri="{91240B29-F687-4f45-9708-019B960494DF}">
-                  <a14:hiddenLine xmlns="" xmlns:a14="http://schemas.microsoft.com/office/drawing/2010/main" w="9525">
+                  <a14:hiddenLine xmlns:a14="http://schemas.microsoft.com/office/drawing/2010/main" xmlns="" w="9525">
                     <a:solidFill>
                       <a:srgbClr val="000000"/>
                     </a:solidFill>
@@ -12069,7 +12069,7 @@
               </a:ln>
               <a:extLst>
                 <a:ext uri="{91240B29-F687-4f45-9708-019B960494DF}">
-                  <a14:hiddenLine xmlns="" xmlns:a14="http://schemas.microsoft.com/office/drawing/2010/main" w="9525">
+                  <a14:hiddenLine xmlns:a14="http://schemas.microsoft.com/office/drawing/2010/main" xmlns="" w="9525">
                     <a:solidFill>
                       <a:srgbClr val="000000"/>
                     </a:solidFill>
@@ -12159,7 +12159,7 @@
               </a:ln>
               <a:extLst>
                 <a:ext uri="{91240B29-F687-4f45-9708-019B960494DF}">
-                  <a14:hiddenLine xmlns="" xmlns:a14="http://schemas.microsoft.com/office/drawing/2010/main" w="9525">
+                  <a14:hiddenLine xmlns:a14="http://schemas.microsoft.com/office/drawing/2010/main" xmlns="" w="9525">
                     <a:solidFill>
                       <a:srgbClr val="000000"/>
                     </a:solidFill>
@@ -12193,7 +12193,7 @@
               </a:ln>
               <a:extLst>
                 <a:ext uri="{91240B29-F687-4f45-9708-019B960494DF}">
-                  <a14:hiddenLine xmlns="" xmlns:a14="http://schemas.microsoft.com/office/drawing/2010/main" w="9525">
+                  <a14:hiddenLine xmlns:a14="http://schemas.microsoft.com/office/drawing/2010/main" xmlns="" w="9525">
                     <a:solidFill>
                       <a:srgbClr val="000000"/>
                     </a:solidFill>
